--- a/Scrutiny Round 2.pptx
+++ b/Scrutiny Round 2.pptx
@@ -5,7 +5,7 @@
     <p:sldMasterId id="2147483648" r:id="rId1"/>
   </p:sldMasterIdLst>
   <p:notesMasterIdLst>
-    <p:notesMasterId r:id="rId20"/>
+    <p:notesMasterId r:id="rId21"/>
   </p:notesMasterIdLst>
   <p:sldIdLst>
     <p:sldId id="256" r:id="rId2"/>
@@ -23,9 +23,10 @@
     <p:sldId id="276" r:id="rId14"/>
     <p:sldId id="277" r:id="rId15"/>
     <p:sldId id="286" r:id="rId16"/>
-    <p:sldId id="287" r:id="rId17"/>
-    <p:sldId id="278" r:id="rId18"/>
-    <p:sldId id="267" r:id="rId19"/>
+    <p:sldId id="288" r:id="rId17"/>
+    <p:sldId id="287" r:id="rId18"/>
+    <p:sldId id="278" r:id="rId19"/>
+    <p:sldId id="267" r:id="rId20"/>
   </p:sldIdLst>
   <p:sldSz cx="9144000" cy="6858000" type="letter"/>
   <p:notesSz cx="6858000" cy="9144000"/>
@@ -6546,32 +6547,39 @@
                 <a:latin typeface="Times New Roman" panose="02020603050405020304" pitchFamily="18" charset="0"/>
                 <a:cs typeface="Times New Roman" panose="02020603050405020304" pitchFamily="18" charset="0"/>
               </a:rPr>
-              <a:t>Estimate house price from area or number of bathrooms.</a:t>
-            </a:r>
-          </a:p>
-          <a:p>
-            <a:pPr marL="0" indent="0">
-              <a:buNone/>
-            </a:pPr>
+              <a:t>Evaluating Models</a:t>
+            </a:r>
+          </a:p>
+          <a:p>
             <a:r>
               <a:rPr lang="en-US" dirty="0">
                 <a:latin typeface="Times New Roman" panose="02020603050405020304" pitchFamily="18" charset="0"/>
                 <a:cs typeface="Times New Roman" panose="02020603050405020304" pitchFamily="18" charset="0"/>
               </a:rPr>
-              <a:t> </a:t>
-            </a:r>
-          </a:p>
-          <a:p>
-            <a:pPr>
-              <a:buFont typeface="Arial" panose="020B0604020202020204" pitchFamily="34" charset="0"/>
-              <a:buChar char="•"/>
+              <a:t>3 Best metrics to evaluate regression model</a:t>
+            </a:r>
+          </a:p>
+          <a:p>
+            <a:pPr marL="457200" indent="-457200">
+              <a:buFont typeface="+mj-lt"/>
+              <a:buAutoNum type="arabicPeriod"/>
+            </a:pPr>
+            <a:endParaRPr lang="en-US" dirty="0">
+              <a:latin typeface="Times New Roman" panose="02020603050405020304" pitchFamily="18" charset="0"/>
+              <a:cs typeface="Times New Roman" panose="02020603050405020304" pitchFamily="18" charset="0"/>
+            </a:endParaRPr>
+          </a:p>
+          <a:p>
+            <a:pPr marL="457200" indent="-457200">
+              <a:buFont typeface="+mj-lt"/>
+              <a:buAutoNum type="arabicPeriod"/>
             </a:pPr>
             <a:r>
               <a:rPr lang="en-US" dirty="0">
                 <a:latin typeface="Times New Roman" panose="02020603050405020304" pitchFamily="18" charset="0"/>
                 <a:cs typeface="Times New Roman" panose="02020603050405020304" pitchFamily="18" charset="0"/>
               </a:rPr>
-              <a:t>RSS model (Residual sum of squares)</a:t>
+              <a:t>Mean Square Error(MSE)</a:t>
             </a:r>
           </a:p>
           <a:p>
@@ -6583,9 +6591,14 @@
                 <a:latin typeface="Times New Roman" panose="02020603050405020304" pitchFamily="18" charset="0"/>
                 <a:cs typeface="Times New Roman" panose="02020603050405020304" pitchFamily="18" charset="0"/>
               </a:rPr>
-              <a:t>-  RSS is the sum of the squares of the residuals which is the difference between the predicted output and the true output.</a:t>
-            </a:r>
-            <a:endParaRPr lang="en-IN" dirty="0">
+              <a:t> Means Square Error is an absolute measure of the goodness for the fit. It gives you an absolute number on how much your predicted results deviate from the actual number.</a:t>
+            </a:r>
+          </a:p>
+          <a:p>
+            <a:pPr marL="0" indent="0">
+              <a:buNone/>
+            </a:pPr>
+            <a:endParaRPr lang="en-US" dirty="0">
               <a:latin typeface="Times New Roman" panose="02020603050405020304" pitchFamily="18" charset="0"/>
               <a:cs typeface="Times New Roman" panose="02020603050405020304" pitchFamily="18" charset="0"/>
             </a:endParaRPr>
@@ -6627,6 +6640,139 @@
           <p:cNvPr id="2" name="Title 1">
             <a:extLst>
               <a:ext uri="{FF2B5EF4-FFF2-40B4-BE49-F238E27FC236}">
+                <a16:creationId xmlns:a16="http://schemas.microsoft.com/office/drawing/2014/main" id="{12A416A0-AD28-4D7D-9223-165A5C43FE07}"/>
+              </a:ext>
+            </a:extLst>
+          </p:cNvPr>
+          <p:cNvSpPr>
+            <a:spLocks noGrp="1"/>
+          </p:cNvSpPr>
+          <p:nvPr>
+            <p:ph type="title"/>
+          </p:nvPr>
+        </p:nvSpPr>
+        <p:spPr/>
+        <p:txBody>
+          <a:bodyPr/>
+          <a:lstStyle/>
+          <a:p>
+            <a:endParaRPr lang="en-IN"/>
+          </a:p>
+        </p:txBody>
+      </p:sp>
+      <p:sp>
+        <p:nvSpPr>
+          <p:cNvPr id="3" name="Content Placeholder 2">
+            <a:extLst>
+              <a:ext uri="{FF2B5EF4-FFF2-40B4-BE49-F238E27FC236}">
+                <a16:creationId xmlns:a16="http://schemas.microsoft.com/office/drawing/2014/main" id="{BE96A2DD-B17C-4606-8DF7-B36826B19A9D}"/>
+              </a:ext>
+            </a:extLst>
+          </p:cNvPr>
+          <p:cNvSpPr>
+            <a:spLocks noGrp="1"/>
+          </p:cNvSpPr>
+          <p:nvPr>
+            <p:ph idx="1"/>
+          </p:nvPr>
+        </p:nvSpPr>
+        <p:spPr/>
+        <p:txBody>
+          <a:bodyPr/>
+          <a:lstStyle/>
+          <a:p>
+            <a:pPr marL="0" indent="0">
+              <a:buNone/>
+            </a:pPr>
+            <a:r>
+              <a:rPr lang="en-IN" dirty="0"/>
+              <a:t>2. Root Mean Square Error</a:t>
+            </a:r>
+          </a:p>
+          <a:p>
+            <a:pPr marL="0" indent="0">
+              <a:buNone/>
+            </a:pPr>
+            <a:r>
+              <a:rPr lang="en-IN" dirty="0"/>
+              <a:t>RMSE is the standard deviation of the errors which occur when a prediction is made on a dataset. This is same as MSE but the root of the value is considered while determining  the accuracy of the model.</a:t>
+            </a:r>
+          </a:p>
+          <a:p>
+            <a:pPr marL="0" indent="0">
+              <a:buNone/>
+            </a:pPr>
+            <a:endParaRPr lang="en-IN" dirty="0"/>
+          </a:p>
+          <a:p>
+            <a:pPr marL="0" indent="0">
+              <a:buNone/>
+            </a:pPr>
+            <a:r>
+              <a:rPr lang="en-IN" dirty="0"/>
+              <a:t>3. Mean Absolute Error(MAE)</a:t>
+            </a:r>
+          </a:p>
+          <a:p>
+            <a:pPr marL="0" indent="0">
+              <a:buNone/>
+            </a:pPr>
+            <a:r>
+              <a:rPr lang="en-IN" dirty="0"/>
+              <a:t>The MAE of  a model with respect to a test set is the mean of the absolute values of the individual prediction errors on over all instances in </a:t>
+            </a:r>
+            <a:r>
+              <a:rPr lang="en-IN"/>
+              <a:t>the test set.</a:t>
+            </a:r>
+            <a:endParaRPr lang="en-IN" dirty="0"/>
+          </a:p>
+          <a:p>
+            <a:pPr marL="0" indent="0">
+              <a:buNone/>
+            </a:pPr>
+            <a:r>
+              <a:rPr lang="en-IN" dirty="0"/>
+              <a:t>This measures the absolute average distance between the real data and the predicted data.</a:t>
+            </a:r>
+          </a:p>
+        </p:txBody>
+      </p:sp>
+    </p:spTree>
+    <p:extLst>
+      <p:ext uri="{BB962C8B-B14F-4D97-AF65-F5344CB8AC3E}">
+        <p14:creationId xmlns:p14="http://schemas.microsoft.com/office/powerpoint/2010/main" val="2751549074"/>
+      </p:ext>
+    </p:extLst>
+  </p:cSld>
+  <p:clrMapOvr>
+    <a:masterClrMapping/>
+  </p:clrMapOvr>
+</p:sld>
+</file>
+
+<file path=ppt/slides/slide17.xml><?xml version="1.0" encoding="utf-8"?>
+<p:sld xmlns:a="http://schemas.openxmlformats.org/drawingml/2006/main" xmlns:r="http://schemas.openxmlformats.org/officeDocument/2006/relationships" xmlns:p="http://schemas.openxmlformats.org/presentationml/2006/main">
+  <p:cSld>
+    <p:spTree>
+      <p:nvGrpSpPr>
+        <p:cNvPr id="1" name=""/>
+        <p:cNvGrpSpPr/>
+        <p:nvPr/>
+      </p:nvGrpSpPr>
+      <p:grpSpPr>
+        <a:xfrm>
+          <a:off x="0" y="0"/>
+          <a:ext cx="0" cy="0"/>
+          <a:chOff x="0" y="0"/>
+          <a:chExt cx="0" cy="0"/>
+        </a:xfrm>
+      </p:grpSpPr>
+      <p:sp>
+        <p:nvSpPr>
+          <p:cNvPr id="2" name="Title 1">
+            <a:extLst>
+              <a:ext uri="{FF2B5EF4-FFF2-40B4-BE49-F238E27FC236}">
                 <a16:creationId xmlns:a16="http://schemas.microsoft.com/office/drawing/2014/main" id="{CF15A458-9865-48EA-B725-75D3D680B638}"/>
               </a:ext>
             </a:extLst>
@@ -6703,6 +6849,28 @@
             </a:r>
           </a:p>
           <a:p>
+            <a:r>
+              <a:rPr lang="en-US" b="1" dirty="0">
+                <a:latin typeface="Times New Roman" panose="02020603050405020304" pitchFamily="18" charset="0"/>
+                <a:cs typeface="Times New Roman" panose="02020603050405020304" pitchFamily="18" charset="0"/>
+              </a:rPr>
+              <a:t>ISSN NO:1869-9391</a:t>
+            </a:r>
+          </a:p>
+          <a:p>
+            <a:r>
+              <a:rPr lang="en-US" b="1">
+                <a:latin typeface="Times New Roman" panose="02020603050405020304" pitchFamily="18" charset="0"/>
+                <a:cs typeface="Times New Roman" panose="02020603050405020304" pitchFamily="18" charset="0"/>
+              </a:rPr>
+              <a:t>VOLUME 8,ISSUE 4,2021</a:t>
+            </a:r>
+            <a:endParaRPr lang="en-US" b="1" dirty="0">
+              <a:latin typeface="Times New Roman" panose="02020603050405020304" pitchFamily="18" charset="0"/>
+              <a:cs typeface="Times New Roman" panose="02020603050405020304" pitchFamily="18" charset="0"/>
+            </a:endParaRPr>
+          </a:p>
+          <a:p>
             <a:endParaRPr lang="en-US" b="1" dirty="0"/>
           </a:p>
           <a:p>
@@ -6723,7 +6891,7 @@
 </p:sld>
 </file>
 
-<file path=ppt/slides/slide17.xml><?xml version="1.0" encoding="utf-8"?>
+<file path=ppt/slides/slide18.xml><?xml version="1.0" encoding="utf-8"?>
 <p:sld xmlns:a="http://schemas.openxmlformats.org/drawingml/2006/main" xmlns:r="http://schemas.openxmlformats.org/officeDocument/2006/relationships" xmlns:p="http://schemas.openxmlformats.org/presentationml/2006/main">
   <p:cSld>
     <p:spTree>
@@ -6929,7 +7097,7 @@
             <a:pPr lvl="0" algn="r" eaLnBrk="1" hangingPunct="1"/>
             <a:fld id="{9A0DB2DC-4C9A-4742-B13C-FB6460FD3503}" type="slidenum">
               <a:rPr lang="en-US" altLang="en-US" sz="1400" dirty="0"/>
-              <a:t>17</a:t>
+              <a:t>18</a:t>
             </a:fld>
             <a:endParaRPr lang="en-US" altLang="en-US" sz="1400" dirty="0"/>
           </a:p>
@@ -7048,25 +7216,26 @@
                 <a:ea typeface="+mn-ea"/>
                 <a:cs typeface="Times New Roman" panose="02020503050405090304" pitchFamily="18" charset="0"/>
               </a:rPr>
-              <a:t>[2] International Research Journal of Engineering and Technology (IRJET) Housing Price Prediction using Machine Learning </a:t>
-            </a:r>
-            <a:r>
-              <a:rPr kumimoji="0" lang="en-US" altLang="en-US" sz="1600" b="0" i="0" u="none" strike="noStrike" kern="0" cap="none" spc="0" normalizeH="0" baseline="0" noProof="0" dirty="0">
-                <a:ln>
-                  <a:noFill/>
-                </a:ln>
-                <a:solidFill>
-                  <a:schemeClr val="tx1"/>
-                </a:solidFill>
-                <a:effectLst/>
-                <a:uLnTx/>
-                <a:uFillTx/>
-                <a:latin typeface="Times New Roman" panose="02020503050405090304" pitchFamily="18" charset="0"/>
-                <a:ea typeface="+mn-ea"/>
-                <a:cs typeface="Times New Roman" panose="02020503050405090304" pitchFamily="18" charset="0"/>
-              </a:rPr>
-              <a:t>Volume: 07 Issue: 05 | May 2020 www.irjet.net</a:t>
-            </a:r>
+              <a:t>[2]    House Price Prediction Using Machine Learning  And RPA, Darshil Shah, Harshad Rajput, Jay Chheda, International Research Journal of Engineering and Technology (IRJET),2020</a:t>
+            </a:r>
+          </a:p>
+          <a:p>
+            <a:pPr marL="0" marR="0" lvl="0" indent="0" algn="just" defTabSz="914400" rtl="0" eaLnBrk="0" fontAlgn="base" latinLnBrk="0" hangingPunct="0">
+              <a:lnSpc>
+                <a:spcPct val="100000"/>
+              </a:lnSpc>
+              <a:spcBef>
+                <a:spcPct val="20000"/>
+              </a:spcBef>
+              <a:spcAft>
+                <a:spcPct val="0"/>
+              </a:spcAft>
+              <a:buClrTx/>
+              <a:buSzTx/>
+              <a:buFontTx/>
+              <a:buNone/>
+              <a:defRPr/>
+            </a:pPr>
             <a:endParaRPr kumimoji="0" lang="en-IN" altLang="en-US" sz="1600" b="0" i="0" u="none" strike="noStrike" kern="0" cap="none" spc="0" normalizeH="0" baseline="0" noProof="0" dirty="0">
               <a:ln>
                 <a:noFill/>
@@ -7099,6 +7268,41 @@
               <a:buNone/>
               <a:defRPr/>
             </a:pPr>
+            <a:r>
+              <a:rPr kumimoji="0" lang="en-IN" altLang="en-US" sz="1600" b="0" i="0" u="none" strike="noStrike" kern="0" cap="none" spc="0" normalizeH="0" baseline="0" noProof="0" dirty="0">
+                <a:ln>
+                  <a:noFill/>
+                </a:ln>
+                <a:solidFill>
+                  <a:schemeClr val="tx1"/>
+                </a:solidFill>
+                <a:effectLst/>
+                <a:uLnTx/>
+                <a:uFillTx/>
+                <a:latin typeface="Times New Roman" panose="02020503050405090304" pitchFamily="18" charset="0"/>
+                <a:ea typeface="+mn-ea"/>
+                <a:cs typeface="Times New Roman" panose="02020503050405090304" pitchFamily="18" charset="0"/>
+              </a:rPr>
+              <a:t>[3]   House Price Prediction via Improved Machine Learning Techniques , Quang Truong, Minh Nguyen, Hy Dang, Bo Mei , 2019 International Conference on Identification, Information and Knowledge in the Internet of Things (IIKI2019)</a:t>
+            </a:r>
+          </a:p>
+          <a:p>
+            <a:pPr marL="0" marR="0" lvl="0" indent="0" algn="just" defTabSz="914400" rtl="0" eaLnBrk="0" fontAlgn="base" latinLnBrk="0" hangingPunct="0">
+              <a:lnSpc>
+                <a:spcPct val="100000"/>
+              </a:lnSpc>
+              <a:spcBef>
+                <a:spcPct val="20000"/>
+              </a:spcBef>
+              <a:spcAft>
+                <a:spcPct val="0"/>
+              </a:spcAft>
+              <a:buClrTx/>
+              <a:buSzTx/>
+              <a:buFontTx/>
+              <a:buNone/>
+              <a:defRPr/>
+            </a:pPr>
             <a:endParaRPr kumimoji="0" lang="en-IN" altLang="en-US" sz="1600" b="0" i="0" u="none" strike="noStrike" kern="0" cap="none" spc="0" normalizeH="0" baseline="0" noProof="0" dirty="0">
               <a:ln>
                 <a:noFill/>
@@ -7146,7 +7350,7 @@
                 <a:ea typeface="+mn-ea"/>
                 <a:cs typeface="Times New Roman" panose="02020503050405090304" pitchFamily="18" charset="0"/>
               </a:rPr>
-              <a:t>[3]   House Price Prediction via Improved Machine Learning Techniques , Quang Truong, Minh Nguyen, Hy Dang, Bo Mei , 2019 International Conference on Identification, Information and Knowledge in the Internet of Things (IIKI2019)</a:t>
+              <a:t>[4]  A Hybrid Regression Technique for House Price Prediction, Sifei Lu, Zengxiang Li, Zheng Qin, Xulei Yang, Rick Siow Mong Goh, Institute of High Performance Computing (IHPC),2017</a:t>
             </a:r>
           </a:p>
           <a:p>
@@ -7213,269 +7417,8 @@
                 <a:ea typeface="+mn-ea"/>
                 <a:cs typeface="Times New Roman" panose="02020503050405090304" pitchFamily="18" charset="0"/>
               </a:rPr>
-              <a:t>[4]  A Hybrid Regression Technique for House Price Prediction, Sifei Lu, Zengxiang Li, Zheng Qin, Xulei Yang, Rick Siow Mong Goh, Institute of High Performance Computing (IHPC),2017</a:t>
-            </a:r>
-          </a:p>
-          <a:p>
-            <a:pPr marL="0" marR="0" lvl="0" indent="0" algn="just" defTabSz="914400" rtl="0" eaLnBrk="0" fontAlgn="base" latinLnBrk="0" hangingPunct="0">
-              <a:lnSpc>
-                <a:spcPct val="100000"/>
-              </a:lnSpc>
-              <a:spcBef>
-                <a:spcPct val="20000"/>
-              </a:spcBef>
-              <a:spcAft>
-                <a:spcPct val="0"/>
-              </a:spcAft>
-              <a:buClrTx/>
-              <a:buSzTx/>
-              <a:buFontTx/>
-              <a:buNone/>
-              <a:defRPr/>
-            </a:pPr>
-            <a:endParaRPr kumimoji="0" lang="en-IN" altLang="en-US" sz="1600" b="0" i="0" u="none" strike="noStrike" kern="0" cap="none" spc="0" normalizeH="0" baseline="0" noProof="0" dirty="0">
-              <a:ln>
-                <a:noFill/>
-              </a:ln>
-              <a:solidFill>
-                <a:schemeClr val="tx1"/>
-              </a:solidFill>
-              <a:effectLst/>
-              <a:uLnTx/>
-              <a:uFillTx/>
-              <a:latin typeface="Times New Roman" panose="02020503050405090304" pitchFamily="18" charset="0"/>
-              <a:ea typeface="+mn-ea"/>
-              <a:cs typeface="Times New Roman" panose="02020503050405090304" pitchFamily="18" charset="0"/>
-            </a:endParaRPr>
-          </a:p>
-          <a:p>
-            <a:pPr marL="0" marR="0" lvl="0" indent="0" algn="just" defTabSz="914400" rtl="0" eaLnBrk="0" fontAlgn="base" latinLnBrk="0" hangingPunct="0">
-              <a:lnSpc>
-                <a:spcPct val="100000"/>
-              </a:lnSpc>
-              <a:spcBef>
-                <a:spcPct val="20000"/>
-              </a:spcBef>
-              <a:spcAft>
-                <a:spcPct val="0"/>
-              </a:spcAft>
-              <a:buClrTx/>
-              <a:buSzTx/>
-              <a:buFontTx/>
-              <a:buNone/>
-              <a:defRPr/>
-            </a:pPr>
-            <a:r>
-              <a:rPr lang="en-IN" altLang="en-US" sz="1600" dirty="0">
-                <a:latin typeface="Times New Roman" panose="02020503050405090304" pitchFamily="18" charset="0"/>
-                <a:cs typeface="Times New Roman" panose="02020503050405090304" pitchFamily="18" charset="0"/>
-              </a:rPr>
-              <a:t>[5] Book Reference:</a:t>
-            </a:r>
-          </a:p>
-          <a:p>
-            <a:pPr marL="0" marR="0" lvl="0" indent="0" algn="just" defTabSz="914400" rtl="0" eaLnBrk="0" fontAlgn="base" latinLnBrk="0" hangingPunct="0">
-              <a:lnSpc>
-                <a:spcPct val="100000"/>
-              </a:lnSpc>
-              <a:spcBef>
-                <a:spcPct val="20000"/>
-              </a:spcBef>
-              <a:spcAft>
-                <a:spcPct val="0"/>
-              </a:spcAft>
-              <a:buClrTx/>
-              <a:buSzTx/>
-              <a:buFontTx/>
-              <a:buNone/>
-              <a:defRPr/>
-            </a:pPr>
-            <a:r>
-              <a:rPr kumimoji="0" lang="en-IN" altLang="en-US" sz="1600" b="0" i="0" u="none" strike="noStrike" kern="0" cap="none" spc="0" normalizeH="0" baseline="0" noProof="0" dirty="0">
-                <a:ln>
-                  <a:noFill/>
-                </a:ln>
-                <a:solidFill>
-                  <a:schemeClr val="tx1"/>
-                </a:solidFill>
-                <a:effectLst/>
-                <a:uLnTx/>
-                <a:uFillTx/>
-                <a:latin typeface="Times New Roman" panose="02020503050405090304" pitchFamily="18" charset="0"/>
-                <a:ea typeface="+mn-ea"/>
-                <a:cs typeface="Times New Roman" panose="02020503050405090304" pitchFamily="18" charset="0"/>
-              </a:rPr>
-              <a:t>	Hands-on Machine Learning with Scikit-Learn, </a:t>
-            </a:r>
-            <a:r>
-              <a:rPr kumimoji="0" lang="en-IN" altLang="en-US" sz="1600" b="0" i="0" u="none" strike="noStrike" kern="0" cap="none" spc="0" normalizeH="0" baseline="0" noProof="0" dirty="0" err="1">
-                <a:ln>
-                  <a:noFill/>
-                </a:ln>
-                <a:solidFill>
-                  <a:schemeClr val="tx1"/>
-                </a:solidFill>
-                <a:effectLst/>
-                <a:uLnTx/>
-                <a:uFillTx/>
-                <a:latin typeface="Times New Roman" panose="02020503050405090304" pitchFamily="18" charset="0"/>
-                <a:ea typeface="+mn-ea"/>
-                <a:cs typeface="Times New Roman" panose="02020503050405090304" pitchFamily="18" charset="0"/>
-              </a:rPr>
-              <a:t>keras</a:t>
-            </a:r>
-            <a:r>
-              <a:rPr kumimoji="0" lang="en-IN" altLang="en-US" sz="1600" b="0" i="0" u="none" strike="noStrike" kern="0" cap="none" spc="0" normalizeH="0" baseline="0" noProof="0" dirty="0">
-                <a:ln>
-                  <a:noFill/>
-                </a:ln>
-                <a:solidFill>
-                  <a:schemeClr val="tx1"/>
-                </a:solidFill>
-                <a:effectLst/>
-                <a:uLnTx/>
-                <a:uFillTx/>
-                <a:latin typeface="Times New Roman" panose="02020503050405090304" pitchFamily="18" charset="0"/>
-                <a:ea typeface="+mn-ea"/>
-                <a:cs typeface="Times New Roman" panose="02020503050405090304" pitchFamily="18" charset="0"/>
-              </a:rPr>
-              <a:t> &amp; </a:t>
-            </a:r>
-            <a:r>
-              <a:rPr kumimoji="0" lang="en-IN" altLang="en-US" sz="1600" b="0" i="0" u="none" strike="noStrike" kern="0" cap="none" spc="0" normalizeH="0" baseline="0" noProof="0" dirty="0" err="1">
-                <a:ln>
-                  <a:noFill/>
-                </a:ln>
-                <a:solidFill>
-                  <a:schemeClr val="tx1"/>
-                </a:solidFill>
-                <a:effectLst/>
-                <a:uLnTx/>
-                <a:uFillTx/>
-                <a:latin typeface="Times New Roman" panose="02020503050405090304" pitchFamily="18" charset="0"/>
-                <a:ea typeface="+mn-ea"/>
-                <a:cs typeface="Times New Roman" panose="02020503050405090304" pitchFamily="18" charset="0"/>
-              </a:rPr>
-              <a:t>Tensorflow</a:t>
-            </a:r>
-            <a:r>
-              <a:rPr kumimoji="0" lang="en-IN" altLang="en-US" sz="1600" b="0" i="0" u="none" strike="noStrike" kern="0" cap="none" spc="0" normalizeH="0" baseline="0" noProof="0" dirty="0">
-                <a:ln>
-                  <a:noFill/>
-                </a:ln>
-                <a:solidFill>
-                  <a:schemeClr val="tx1"/>
-                </a:solidFill>
-                <a:effectLst/>
-                <a:uLnTx/>
-                <a:uFillTx/>
-                <a:latin typeface="Times New Roman" panose="02020503050405090304" pitchFamily="18" charset="0"/>
-                <a:ea typeface="+mn-ea"/>
-                <a:cs typeface="Times New Roman" panose="02020503050405090304" pitchFamily="18" charset="0"/>
-              </a:rPr>
-              <a:t>(2</a:t>
-            </a:r>
-            <a:r>
-              <a:rPr kumimoji="0" lang="en-IN" altLang="en-US" sz="1600" b="0" i="0" u="none" strike="noStrike" kern="0" cap="none" spc="0" normalizeH="0" baseline="30000" noProof="0" dirty="0">
-                <a:ln>
-                  <a:noFill/>
-                </a:ln>
-                <a:solidFill>
-                  <a:schemeClr val="tx1"/>
-                </a:solidFill>
-                <a:effectLst/>
-                <a:uLnTx/>
-                <a:uFillTx/>
-                <a:latin typeface="Times New Roman" panose="02020503050405090304" pitchFamily="18" charset="0"/>
-                <a:ea typeface="+mn-ea"/>
-                <a:cs typeface="Times New Roman" panose="02020503050405090304" pitchFamily="18" charset="0"/>
-              </a:rPr>
-              <a:t>nd</a:t>
-            </a:r>
-            <a:r>
-              <a:rPr kumimoji="0" lang="en-IN" altLang="en-US" sz="1600" b="0" i="0" u="none" strike="noStrike" kern="0" cap="none" spc="0" normalizeH="0" baseline="0" noProof="0" dirty="0">
-                <a:ln>
-                  <a:noFill/>
-                </a:ln>
-                <a:solidFill>
-                  <a:schemeClr val="tx1"/>
-                </a:solidFill>
-                <a:effectLst/>
-                <a:uLnTx/>
-                <a:uFillTx/>
-                <a:latin typeface="Times New Roman" panose="02020503050405090304" pitchFamily="18" charset="0"/>
-                <a:ea typeface="+mn-ea"/>
-                <a:cs typeface="Times New Roman" panose="02020503050405090304" pitchFamily="18" charset="0"/>
-              </a:rPr>
-              <a:t>-edition)</a:t>
-            </a:r>
-          </a:p>
-          <a:p>
-            <a:pPr marL="0" marR="0" lvl="0" indent="0" algn="just" defTabSz="914400" rtl="0" eaLnBrk="0" fontAlgn="base" latinLnBrk="0" hangingPunct="0">
-              <a:lnSpc>
-                <a:spcPct val="100000"/>
-              </a:lnSpc>
-              <a:spcBef>
-                <a:spcPct val="20000"/>
-              </a:spcBef>
-              <a:spcAft>
-                <a:spcPct val="0"/>
-              </a:spcAft>
-              <a:buClrTx/>
-              <a:buSzTx/>
-              <a:buFontTx/>
-              <a:buNone/>
-              <a:defRPr/>
-            </a:pPr>
-            <a:r>
-              <a:rPr lang="en-IN" altLang="en-US" sz="1600" dirty="0">
-                <a:latin typeface="Times New Roman" panose="02020503050405090304" pitchFamily="18" charset="0"/>
-                <a:cs typeface="Times New Roman" panose="02020503050405090304" pitchFamily="18" charset="0"/>
-              </a:rPr>
-              <a:t>	Author: </a:t>
-            </a:r>
-            <a:r>
-              <a:rPr lang="en-IN" altLang="en-US" sz="1600" dirty="0" err="1">
-                <a:latin typeface="Times New Roman" panose="02020503050405090304" pitchFamily="18" charset="0"/>
-                <a:cs typeface="Times New Roman" panose="02020503050405090304" pitchFamily="18" charset="0"/>
-              </a:rPr>
-              <a:t>Aurelion</a:t>
-            </a:r>
-            <a:r>
-              <a:rPr lang="en-IN" altLang="en-US" sz="1600" dirty="0">
-                <a:latin typeface="Times New Roman" panose="02020503050405090304" pitchFamily="18" charset="0"/>
-                <a:cs typeface="Times New Roman" panose="02020503050405090304" pitchFamily="18" charset="0"/>
-              </a:rPr>
-              <a:t> </a:t>
-            </a:r>
-            <a:r>
-              <a:rPr lang="en-IN" altLang="en-US" sz="1600" dirty="0" err="1">
-                <a:latin typeface="Times New Roman" panose="02020503050405090304" pitchFamily="18" charset="0"/>
-                <a:cs typeface="Times New Roman" panose="02020503050405090304" pitchFamily="18" charset="0"/>
-              </a:rPr>
-              <a:t>Geron</a:t>
-            </a:r>
-            <a:r>
-              <a:rPr lang="en-IN" altLang="en-US" sz="1600" dirty="0">
-                <a:latin typeface="Times New Roman" panose="02020503050405090304" pitchFamily="18" charset="0"/>
-                <a:cs typeface="Times New Roman" panose="02020503050405090304" pitchFamily="18" charset="0"/>
-              </a:rPr>
-              <a:t> published by : O’Reilly Media</a:t>
-            </a:r>
-            <a:endParaRPr kumimoji="0" lang="en-IN" altLang="en-US" sz="1600" b="0" i="0" u="none" strike="noStrike" kern="0" cap="none" spc="0" normalizeH="0" baseline="0" noProof="0" dirty="0">
-              <a:ln>
-                <a:noFill/>
-              </a:ln>
-              <a:solidFill>
-                <a:schemeClr val="tx1"/>
-              </a:solidFill>
-              <a:effectLst/>
-              <a:uLnTx/>
-              <a:uFillTx/>
-              <a:latin typeface="Times New Roman" panose="02020503050405090304" pitchFamily="18" charset="0"/>
-              <a:ea typeface="+mn-ea"/>
-              <a:cs typeface="Times New Roman" panose="02020503050405090304" pitchFamily="18" charset="0"/>
-            </a:endParaRPr>
+              <a:t>[5]  Housing Prices Prediction with Deep Learning and Random Forest Esemble, Adyan Nur Alfiyatin, Hilman Taufiq, International Journal of Advanced Computer Science and Applications,(IJACSA)2017</a:t>
+            </a:r>
           </a:p>
         </p:txBody>
       </p:sp>
@@ -7487,7 +7430,7 @@
 </p:sld>
 </file>
 
-<file path=ppt/slides/slide18.xml><?xml version="1.0" encoding="utf-8"?>
+<file path=ppt/slides/slide19.xml><?xml version="1.0" encoding="utf-8"?>
 <p:sld xmlns:a="http://schemas.openxmlformats.org/drawingml/2006/main" xmlns:r="http://schemas.openxmlformats.org/officeDocument/2006/relationships" xmlns:p="http://schemas.openxmlformats.org/presentationml/2006/main">
   <p:cSld>
     <p:spTree>
@@ -7658,7 +7601,7 @@
             <a:pPr lvl="0" algn="r" eaLnBrk="1" hangingPunct="1"/>
             <a:fld id="{9A0DB2DC-4C9A-4742-B13C-FB6460FD3503}" type="slidenum">
               <a:rPr lang="en-US" altLang="en-US" sz="1400" dirty="0"/>
-              <a:t>18</a:t>
+              <a:t>19</a:t>
             </a:fld>
             <a:endParaRPr lang="en-US" altLang="en-US" sz="1400" dirty="0"/>
           </a:p>

--- a/Scrutiny Round 2.pptx
+++ b/Scrutiny Round 2.pptx
@@ -5,7 +5,7 @@
     <p:sldMasterId id="2147483648" r:id="rId1"/>
   </p:sldMasterIdLst>
   <p:notesMasterIdLst>
-    <p:notesMasterId r:id="rId21"/>
+    <p:notesMasterId r:id="rId22"/>
   </p:notesMasterIdLst>
   <p:sldIdLst>
     <p:sldId id="256" r:id="rId2"/>
@@ -26,7 +26,8 @@
     <p:sldId id="288" r:id="rId17"/>
     <p:sldId id="287" r:id="rId18"/>
     <p:sldId id="278" r:id="rId19"/>
-    <p:sldId id="267" r:id="rId20"/>
+    <p:sldId id="289" r:id="rId20"/>
+    <p:sldId id="267" r:id="rId21"/>
   </p:sldIdLst>
   <p:sldSz cx="9144000" cy="6858000" type="letter"/>
   <p:notesSz cx="6858000" cy="9144000"/>
@@ -6488,7 +6489,7 @@
                 <a:latin typeface="Times New Roman" panose="02020603050405020304" pitchFamily="18" charset="0"/>
                 <a:cs typeface="Times New Roman" panose="02020603050405020304" pitchFamily="18" charset="0"/>
               </a:rPr>
-              <a:t>Further steps to be implemented</a:t>
+              <a:t>Further steps to implemented</a:t>
             </a:r>
             <a:endParaRPr lang="en-IN" dirty="0">
               <a:latin typeface="Times New Roman" panose="02020603050405020304" pitchFamily="18" charset="0"/>
@@ -6523,7 +6524,7 @@
                 <a:latin typeface="Times New Roman" panose="02020603050405020304" pitchFamily="18" charset="0"/>
                 <a:cs typeface="Times New Roman" panose="02020603050405020304" pitchFamily="18" charset="0"/>
               </a:rPr>
-              <a:t>To find the predicted price for a house with given square feet.</a:t>
+              <a:t>To find the predicted price for a house with given area.</a:t>
             </a:r>
           </a:p>
           <a:p>
@@ -6538,7 +6539,7 @@
                 <a:latin typeface="Times New Roman" panose="02020603050405020304" pitchFamily="18" charset="0"/>
                 <a:cs typeface="Times New Roman" panose="02020603050405020304" pitchFamily="18" charset="0"/>
               </a:rPr>
-              <a:t>Estimate house price from number of bedrooms.</a:t>
+              <a:t>Estimate house price from number of bedrooms/bathrooms.</a:t>
             </a:r>
           </a:p>
           <a:p>
@@ -6656,7 +6657,7 @@
           <a:bodyPr/>
           <a:lstStyle/>
           <a:p>
-            <a:endParaRPr lang="en-IN"/>
+            <a:endParaRPr lang="en-IN" dirty="0"/>
           </a:p>
         </p:txBody>
       </p:sp>
@@ -6719,13 +6720,8 @@
             </a:pPr>
             <a:r>
               <a:rPr lang="en-IN" dirty="0"/>
-              <a:t>The MAE of  a model with respect to a test set is the mean of the absolute values of the individual prediction errors on over all instances in </a:t>
-            </a:r>
-            <a:r>
-              <a:rPr lang="en-IN"/>
-              <a:t>the test set.</a:t>
-            </a:r>
-            <a:endParaRPr lang="en-IN" dirty="0"/>
+              <a:t>The MAE of  a model with respect to a test set is the mean of the absolute values of the individual prediction errors on over all instances in the test set.</a:t>
+            </a:r>
           </a:p>
           <a:p>
             <a:pPr marL="0" indent="0">
@@ -7449,9 +7445,9 @@
       </p:grpSpPr>
       <p:sp>
         <p:nvSpPr>
-          <p:cNvPr id="14338" name="Title 1"/>
+          <p:cNvPr id="7170" name="Title 1"/>
           <p:cNvSpPr>
-            <a:spLocks noGrp="1"/>
+            <a:spLocks noGrp="1" noChangeArrowheads="1"/>
           </p:cNvSpPr>
           <p:nvPr>
             <p:ph type="title"/>
@@ -7459,32 +7455,67 @@
         </p:nvSpPr>
         <p:spPr>
           <a:xfrm>
-            <a:off x="447675" y="2713038"/>
-            <a:ext cx="8229600" cy="639762"/>
+            <a:off x="457200" y="122238"/>
+            <a:ext cx="8229600" cy="639763"/>
           </a:xfrm>
-          <a:ln/>
         </p:spPr>
         <p:txBody>
-          <a:bodyPr vert="horz" wrap="square" lIns="91440" tIns="45720" rIns="91440" bIns="45720" anchor="ctr"/>
+          <a:bodyPr vert="horz" wrap="square" lIns="91440" tIns="45720" rIns="91440" bIns="45720" numCol="1" anchor="ctr" anchorCtr="0" compatLnSpc="1"/>
           <a:lstStyle/>
           <a:p>
-            <a:r>
-              <a:rPr lang="en-IN" altLang="en-US" sz="9600" dirty="0">
+            <a:pPr marL="0" marR="0" lvl="0" indent="0" algn="ctr" defTabSz="914400" rtl="0" eaLnBrk="0" fontAlgn="base" latinLnBrk="0" hangingPunct="0">
+              <a:lnSpc>
+                <a:spcPct val="100000"/>
+              </a:lnSpc>
+              <a:spcBef>
+                <a:spcPct val="0"/>
+              </a:spcBef>
+              <a:spcAft>
+                <a:spcPct val="0"/>
+              </a:spcAft>
+              <a:buClrTx/>
+              <a:buSzTx/>
+              <a:buFontTx/>
+              <a:buNone/>
+              <a:defRPr/>
+            </a:pPr>
+            <a:r>
+              <a:rPr kumimoji="0" lang="en-IN" altLang="en-US" sz="3200" b="1" i="0" u="none" strike="noStrike" kern="0" cap="none" spc="0" normalizeH="0" baseline="0" noProof="0" dirty="0">
+                <a:ln>
+                  <a:noFill/>
+                </a:ln>
+                <a:solidFill>
+                  <a:schemeClr val="tx2"/>
+                </a:solidFill>
+                <a:effectLst/>
+                <a:uLnTx/>
+                <a:uFillTx/>
                 <a:latin typeface="Times New Roman" panose="02020503050405090304" pitchFamily="18" charset="0"/>
+                <a:ea typeface="+mn-ea"/>
                 <a:cs typeface="Times New Roman" panose="02020503050405090304" pitchFamily="18" charset="0"/>
               </a:rPr>
-              <a:t>Thank You !!!</a:t>
-            </a:r>
-            <a:endParaRPr lang="en-IN" altLang="en-US" sz="6600" dirty="0">
+              <a:t>References</a:t>
+            </a:r>
+            <a:endParaRPr kumimoji="0" lang="en-IN" altLang="en-US" sz="3200" b="1" i="0" u="none" strike="noStrike" kern="0" cap="none" spc="0" normalizeH="0" baseline="0" noProof="0" dirty="0">
+              <a:ln>
+                <a:noFill/>
+              </a:ln>
+              <a:solidFill>
+                <a:schemeClr val="tx2"/>
+              </a:solidFill>
+              <a:effectLst/>
+              <a:uLnTx/>
+              <a:uFillTx/>
               <a:latin typeface="Times New Roman" panose="02020503050405090304" pitchFamily="18" charset="0"/>
-              <a:ea typeface="Times New Roman" panose="02020503050405090304" pitchFamily="18" charset="0"/>
+              <a:ea typeface="+mj-ea"/>
+              <a:cs typeface="Times New Roman" panose="02020503050405090304" pitchFamily="18" charset="0"/>
             </a:endParaRPr>
           </a:p>
         </p:txBody>
       </p:sp>
       <p:sp>
         <p:nvSpPr>
-          <p:cNvPr id="14339" name="Slide Number Placeholder 3"/>
+          <p:cNvPr id="13315" name="Slide Number Placeholder 3"/>
           <p:cNvSpPr txBox="1">
             <a:spLocks noGrp="1"/>
           </p:cNvSpPr>
@@ -7604,6 +7635,550 @@
               <a:t>19</a:t>
             </a:fld>
             <a:endParaRPr lang="en-US" altLang="en-US" sz="1400" dirty="0"/>
+          </a:p>
+        </p:txBody>
+      </p:sp>
+      <p:sp>
+        <p:nvSpPr>
+          <p:cNvPr id="7172" name="Content Placeholder 2"/>
+          <p:cNvSpPr>
+            <a:spLocks noGrp="1" noChangeArrowheads="1"/>
+          </p:cNvSpPr>
+          <p:nvPr>
+            <p:ph idx="1"/>
+          </p:nvPr>
+        </p:nvSpPr>
+        <p:spPr/>
+        <p:txBody>
+          <a:bodyPr vert="horz" wrap="square" lIns="91440" tIns="45720" rIns="91440" bIns="45720" numCol="1" anchor="t" anchorCtr="0" compatLnSpc="1"/>
+          <a:lstStyle/>
+          <a:p>
+            <a:pPr marL="0" marR="0" lvl="0" indent="0" algn="just" defTabSz="914400" rtl="0" eaLnBrk="0" fontAlgn="base" latinLnBrk="0" hangingPunct="0">
+              <a:lnSpc>
+                <a:spcPct val="100000"/>
+              </a:lnSpc>
+              <a:spcBef>
+                <a:spcPct val="20000"/>
+              </a:spcBef>
+              <a:spcAft>
+                <a:spcPct val="0"/>
+              </a:spcAft>
+              <a:buClrTx/>
+              <a:buSzTx/>
+              <a:buFontTx/>
+              <a:buNone/>
+              <a:defRPr/>
+            </a:pPr>
+            <a:r>
+              <a:rPr kumimoji="0" lang="en-IN" altLang="en-US" sz="1600" b="0" i="0" u="none" strike="noStrike" kern="0" cap="none" spc="0" normalizeH="0" baseline="0" noProof="0" dirty="0">
+                <a:ln>
+                  <a:noFill/>
+                </a:ln>
+                <a:solidFill>
+                  <a:schemeClr val="tx1"/>
+                </a:solidFill>
+                <a:effectLst/>
+                <a:uLnTx/>
+                <a:uFillTx/>
+                <a:latin typeface="Times New Roman" panose="02020503050405090304" pitchFamily="18" charset="0"/>
+                <a:ea typeface="+mn-ea"/>
+                <a:cs typeface="Times New Roman" panose="02020503050405090304" pitchFamily="18" charset="0"/>
+              </a:rPr>
+              <a:t>[1]     House Price Prediction Using Various Machine Learning Algorithms , Parth Ambalkar et al.; International Journal of Advance Research, Ideas and Innovations inTechnology,2019</a:t>
+            </a:r>
+          </a:p>
+          <a:p>
+            <a:pPr marL="0" marR="0" lvl="0" indent="0" algn="just" defTabSz="914400" rtl="0" eaLnBrk="0" fontAlgn="base" latinLnBrk="0" hangingPunct="0">
+              <a:lnSpc>
+                <a:spcPct val="100000"/>
+              </a:lnSpc>
+              <a:spcBef>
+                <a:spcPct val="20000"/>
+              </a:spcBef>
+              <a:spcAft>
+                <a:spcPct val="0"/>
+              </a:spcAft>
+              <a:buClrTx/>
+              <a:buSzTx/>
+              <a:buFontTx/>
+              <a:buNone/>
+              <a:defRPr/>
+            </a:pPr>
+            <a:endParaRPr kumimoji="0" lang="en-IN" altLang="en-US" sz="1600" b="0" i="0" u="none" strike="noStrike" kern="0" cap="none" spc="0" normalizeH="0" baseline="0" noProof="0" dirty="0">
+              <a:ln>
+                <a:noFill/>
+              </a:ln>
+              <a:solidFill>
+                <a:schemeClr val="tx1"/>
+              </a:solidFill>
+              <a:effectLst/>
+              <a:uLnTx/>
+              <a:uFillTx/>
+              <a:latin typeface="Times New Roman" panose="02020503050405090304" pitchFamily="18" charset="0"/>
+              <a:ea typeface="+mn-ea"/>
+              <a:cs typeface="Times New Roman" panose="02020503050405090304" pitchFamily="18" charset="0"/>
+            </a:endParaRPr>
+          </a:p>
+          <a:p>
+            <a:pPr marL="0" marR="0" lvl="0" indent="0" algn="just" defTabSz="914400" rtl="0" eaLnBrk="0" fontAlgn="base" latinLnBrk="0" hangingPunct="0">
+              <a:lnSpc>
+                <a:spcPct val="100000"/>
+              </a:lnSpc>
+              <a:spcBef>
+                <a:spcPct val="20000"/>
+              </a:spcBef>
+              <a:spcAft>
+                <a:spcPct val="0"/>
+              </a:spcAft>
+              <a:buClrTx/>
+              <a:buSzTx/>
+              <a:buFontTx/>
+              <a:buNone/>
+              <a:defRPr/>
+            </a:pPr>
+            <a:r>
+              <a:rPr kumimoji="0" lang="en-IN" altLang="en-US" sz="1600" b="0" i="0" u="none" strike="noStrike" kern="0" cap="none" spc="0" normalizeH="0" baseline="0" noProof="0" dirty="0">
+                <a:ln>
+                  <a:noFill/>
+                </a:ln>
+                <a:solidFill>
+                  <a:schemeClr val="tx1"/>
+                </a:solidFill>
+                <a:effectLst/>
+                <a:uLnTx/>
+                <a:uFillTx/>
+                <a:latin typeface="Times New Roman" panose="02020503050405090304" pitchFamily="18" charset="0"/>
+                <a:ea typeface="+mn-ea"/>
+                <a:cs typeface="Times New Roman" panose="02020503050405090304" pitchFamily="18" charset="0"/>
+              </a:rPr>
+              <a:t>[2] International Research Journal of Engineering and Technology (IRJET) Housing Price Prediction using Machine Learning </a:t>
+            </a:r>
+            <a:r>
+              <a:rPr kumimoji="0" lang="en-US" altLang="en-US" sz="1600" b="0" i="0" u="none" strike="noStrike" kern="0" cap="none" spc="0" normalizeH="0" baseline="0" noProof="0" dirty="0">
+                <a:ln>
+                  <a:noFill/>
+                </a:ln>
+                <a:solidFill>
+                  <a:schemeClr val="tx1"/>
+                </a:solidFill>
+                <a:effectLst/>
+                <a:uLnTx/>
+                <a:uFillTx/>
+                <a:latin typeface="Times New Roman" panose="02020503050405090304" pitchFamily="18" charset="0"/>
+                <a:ea typeface="+mn-ea"/>
+                <a:cs typeface="Times New Roman" panose="02020503050405090304" pitchFamily="18" charset="0"/>
+              </a:rPr>
+              <a:t>Volume: 07 Issue: 05 | May 2020 www.irjet.net</a:t>
+            </a:r>
+            <a:endParaRPr kumimoji="0" lang="en-IN" altLang="en-US" sz="1600" b="0" i="0" u="none" strike="noStrike" kern="0" cap="none" spc="0" normalizeH="0" baseline="0" noProof="0" dirty="0">
+              <a:ln>
+                <a:noFill/>
+              </a:ln>
+              <a:solidFill>
+                <a:schemeClr val="tx1"/>
+              </a:solidFill>
+              <a:effectLst/>
+              <a:uLnTx/>
+              <a:uFillTx/>
+              <a:latin typeface="Times New Roman" panose="02020503050405090304" pitchFamily="18" charset="0"/>
+              <a:ea typeface="+mn-ea"/>
+              <a:cs typeface="Times New Roman" panose="02020503050405090304" pitchFamily="18" charset="0"/>
+            </a:endParaRPr>
+          </a:p>
+          <a:p>
+            <a:pPr marL="0" marR="0" lvl="0" indent="0" algn="just" defTabSz="914400" rtl="0" eaLnBrk="0" fontAlgn="base" latinLnBrk="0" hangingPunct="0">
+              <a:lnSpc>
+                <a:spcPct val="100000"/>
+              </a:lnSpc>
+              <a:spcBef>
+                <a:spcPct val="20000"/>
+              </a:spcBef>
+              <a:spcAft>
+                <a:spcPct val="0"/>
+              </a:spcAft>
+              <a:buClrTx/>
+              <a:buSzTx/>
+              <a:buFontTx/>
+              <a:buNone/>
+              <a:defRPr/>
+            </a:pPr>
+            <a:endParaRPr kumimoji="0" lang="en-IN" altLang="en-US" sz="1600" b="0" i="0" u="none" strike="noStrike" kern="0" cap="none" spc="0" normalizeH="0" baseline="0" noProof="0" dirty="0">
+              <a:ln>
+                <a:noFill/>
+              </a:ln>
+              <a:solidFill>
+                <a:schemeClr val="tx1"/>
+              </a:solidFill>
+              <a:effectLst/>
+              <a:uLnTx/>
+              <a:uFillTx/>
+              <a:latin typeface="Times New Roman" panose="02020503050405090304" pitchFamily="18" charset="0"/>
+              <a:ea typeface="+mn-ea"/>
+              <a:cs typeface="Times New Roman" panose="02020503050405090304" pitchFamily="18" charset="0"/>
+            </a:endParaRPr>
+          </a:p>
+          <a:p>
+            <a:pPr marL="0" marR="0" lvl="0" indent="0" algn="just" defTabSz="914400" rtl="0" eaLnBrk="0" fontAlgn="base" latinLnBrk="0" hangingPunct="0">
+              <a:lnSpc>
+                <a:spcPct val="100000"/>
+              </a:lnSpc>
+              <a:spcBef>
+                <a:spcPct val="20000"/>
+              </a:spcBef>
+              <a:spcAft>
+                <a:spcPct val="0"/>
+              </a:spcAft>
+              <a:buClrTx/>
+              <a:buSzTx/>
+              <a:buFontTx/>
+              <a:buNone/>
+              <a:defRPr/>
+            </a:pPr>
+            <a:r>
+              <a:rPr kumimoji="0" lang="en-IN" altLang="en-US" sz="1600" b="0" i="0" u="none" strike="noStrike" kern="0" cap="none" spc="0" normalizeH="0" baseline="0" noProof="0" dirty="0">
+                <a:ln>
+                  <a:noFill/>
+                </a:ln>
+                <a:solidFill>
+                  <a:schemeClr val="tx1"/>
+                </a:solidFill>
+                <a:effectLst/>
+                <a:uLnTx/>
+                <a:uFillTx/>
+                <a:latin typeface="Times New Roman" panose="02020503050405090304" pitchFamily="18" charset="0"/>
+                <a:ea typeface="+mn-ea"/>
+                <a:cs typeface="Times New Roman" panose="02020503050405090304" pitchFamily="18" charset="0"/>
+              </a:rPr>
+              <a:t>[3]   House Price Prediction via Improved Machine Learning Techniques , Quang Truong, Minh Nguyen, Hy Dang, Bo Mei , 2019 International Conference on Identification, Information and Knowledge in the Internet of Things (IIKI2019)</a:t>
+            </a:r>
+          </a:p>
+          <a:p>
+            <a:pPr marL="0" marR="0" lvl="0" indent="0" algn="just" defTabSz="914400" rtl="0" eaLnBrk="0" fontAlgn="base" latinLnBrk="0" hangingPunct="0">
+              <a:lnSpc>
+                <a:spcPct val="100000"/>
+              </a:lnSpc>
+              <a:spcBef>
+                <a:spcPct val="20000"/>
+              </a:spcBef>
+              <a:spcAft>
+                <a:spcPct val="0"/>
+              </a:spcAft>
+              <a:buClrTx/>
+              <a:buSzTx/>
+              <a:buFontTx/>
+              <a:buNone/>
+              <a:defRPr/>
+            </a:pPr>
+            <a:endParaRPr kumimoji="0" lang="en-IN" altLang="en-US" sz="1600" b="0" i="0" u="none" strike="noStrike" kern="0" cap="none" spc="0" normalizeH="0" baseline="0" noProof="0" dirty="0">
+              <a:ln>
+                <a:noFill/>
+              </a:ln>
+              <a:solidFill>
+                <a:schemeClr val="tx1"/>
+              </a:solidFill>
+              <a:effectLst/>
+              <a:uLnTx/>
+              <a:uFillTx/>
+              <a:latin typeface="Times New Roman" panose="02020503050405090304" pitchFamily="18" charset="0"/>
+              <a:ea typeface="+mn-ea"/>
+              <a:cs typeface="Times New Roman" panose="02020503050405090304" pitchFamily="18" charset="0"/>
+            </a:endParaRPr>
+          </a:p>
+          <a:p>
+            <a:pPr marL="0" marR="0" lvl="0" indent="0" algn="just" defTabSz="914400" rtl="0" eaLnBrk="0" fontAlgn="base" latinLnBrk="0" hangingPunct="0">
+              <a:lnSpc>
+                <a:spcPct val="100000"/>
+              </a:lnSpc>
+              <a:spcBef>
+                <a:spcPct val="20000"/>
+              </a:spcBef>
+              <a:spcAft>
+                <a:spcPct val="0"/>
+              </a:spcAft>
+              <a:buClrTx/>
+              <a:buSzTx/>
+              <a:buFontTx/>
+              <a:buNone/>
+              <a:defRPr/>
+            </a:pPr>
+            <a:r>
+              <a:rPr kumimoji="0" lang="en-IN" altLang="en-US" sz="1600" b="0" i="0" u="none" strike="noStrike" kern="0" cap="none" spc="0" normalizeH="0" baseline="0" noProof="0" dirty="0">
+                <a:ln>
+                  <a:noFill/>
+                </a:ln>
+                <a:solidFill>
+                  <a:schemeClr val="tx1"/>
+                </a:solidFill>
+                <a:effectLst/>
+                <a:uLnTx/>
+                <a:uFillTx/>
+                <a:latin typeface="Times New Roman" panose="02020503050405090304" pitchFamily="18" charset="0"/>
+                <a:ea typeface="+mn-ea"/>
+                <a:cs typeface="Times New Roman" panose="02020503050405090304" pitchFamily="18" charset="0"/>
+              </a:rPr>
+              <a:t>[4]  A Hybrid Regression Technique for House Price Prediction, Sifei Lu, Zengxiang Li, Zheng Qin, Xulei Yang, Rick Siow Mong Goh, Institute of High Performance Computing (IHPC),2017</a:t>
+            </a:r>
+          </a:p>
+          <a:p>
+            <a:pPr marL="0" marR="0" lvl="0" indent="0" algn="just" defTabSz="914400" rtl="0" eaLnBrk="0" fontAlgn="base" latinLnBrk="0" hangingPunct="0">
+              <a:lnSpc>
+                <a:spcPct val="100000"/>
+              </a:lnSpc>
+              <a:spcBef>
+                <a:spcPct val="20000"/>
+              </a:spcBef>
+              <a:spcAft>
+                <a:spcPct val="0"/>
+              </a:spcAft>
+              <a:buClrTx/>
+              <a:buSzTx/>
+              <a:buFontTx/>
+              <a:buNone/>
+              <a:defRPr/>
+            </a:pPr>
+            <a:endParaRPr kumimoji="0" lang="en-IN" altLang="en-US" sz="1600" b="0" i="0" u="none" strike="noStrike" kern="0" cap="none" spc="0" normalizeH="0" baseline="0" noProof="0" dirty="0">
+              <a:ln>
+                <a:noFill/>
+              </a:ln>
+              <a:solidFill>
+                <a:schemeClr val="tx1"/>
+              </a:solidFill>
+              <a:effectLst/>
+              <a:uLnTx/>
+              <a:uFillTx/>
+              <a:latin typeface="Times New Roman" panose="02020503050405090304" pitchFamily="18" charset="0"/>
+              <a:ea typeface="+mn-ea"/>
+              <a:cs typeface="Times New Roman" panose="02020503050405090304" pitchFamily="18" charset="0"/>
+            </a:endParaRPr>
+          </a:p>
+          <a:p>
+            <a:pPr marL="0" marR="0" lvl="0" indent="0" algn="just" defTabSz="914400" rtl="0" eaLnBrk="0" fontAlgn="base" latinLnBrk="0" hangingPunct="0">
+              <a:lnSpc>
+                <a:spcPct val="100000"/>
+              </a:lnSpc>
+              <a:spcBef>
+                <a:spcPct val="20000"/>
+              </a:spcBef>
+              <a:spcAft>
+                <a:spcPct val="0"/>
+              </a:spcAft>
+              <a:buClrTx/>
+              <a:buSzTx/>
+              <a:buFontTx/>
+              <a:buNone/>
+              <a:defRPr/>
+            </a:pPr>
+            <a:r>
+              <a:rPr lang="en-IN" altLang="en-US" sz="1600" dirty="0">
+                <a:latin typeface="Times New Roman" panose="02020503050405090304" pitchFamily="18" charset="0"/>
+                <a:cs typeface="Times New Roman" panose="02020503050405090304" pitchFamily="18" charset="0"/>
+              </a:rPr>
+              <a:t>[5] Book Reference:</a:t>
+            </a:r>
+          </a:p>
+          <a:p>
+            <a:pPr marL="0" marR="0" lvl="0" indent="0" algn="just" defTabSz="914400" rtl="0" eaLnBrk="0" fontAlgn="base" latinLnBrk="0" hangingPunct="0">
+              <a:lnSpc>
+                <a:spcPct val="100000"/>
+              </a:lnSpc>
+              <a:spcBef>
+                <a:spcPct val="20000"/>
+              </a:spcBef>
+              <a:spcAft>
+                <a:spcPct val="0"/>
+              </a:spcAft>
+              <a:buClrTx/>
+              <a:buSzTx/>
+              <a:buFontTx/>
+              <a:buNone/>
+              <a:defRPr/>
+            </a:pPr>
+            <a:r>
+              <a:rPr kumimoji="0" lang="en-IN" altLang="en-US" sz="1600" b="0" i="0" u="none" strike="noStrike" kern="0" cap="none" spc="0" normalizeH="0" baseline="0" noProof="0" dirty="0">
+                <a:ln>
+                  <a:noFill/>
+                </a:ln>
+                <a:solidFill>
+                  <a:schemeClr val="tx1"/>
+                </a:solidFill>
+                <a:effectLst/>
+                <a:uLnTx/>
+                <a:uFillTx/>
+                <a:latin typeface="Times New Roman" panose="02020503050405090304" pitchFamily="18" charset="0"/>
+                <a:ea typeface="+mn-ea"/>
+                <a:cs typeface="Times New Roman" panose="02020503050405090304" pitchFamily="18" charset="0"/>
+              </a:rPr>
+              <a:t>	Hands-on Machine Learning with Scikit-Learn, </a:t>
+            </a:r>
+            <a:r>
+              <a:rPr kumimoji="0" lang="en-IN" altLang="en-US" sz="1600" b="0" i="0" u="none" strike="noStrike" kern="0" cap="none" spc="0" normalizeH="0" baseline="0" noProof="0" dirty="0" err="1">
+                <a:ln>
+                  <a:noFill/>
+                </a:ln>
+                <a:solidFill>
+                  <a:schemeClr val="tx1"/>
+                </a:solidFill>
+                <a:effectLst/>
+                <a:uLnTx/>
+                <a:uFillTx/>
+                <a:latin typeface="Times New Roman" panose="02020503050405090304" pitchFamily="18" charset="0"/>
+                <a:ea typeface="+mn-ea"/>
+                <a:cs typeface="Times New Roman" panose="02020503050405090304" pitchFamily="18" charset="0"/>
+              </a:rPr>
+              <a:t>keras</a:t>
+            </a:r>
+            <a:r>
+              <a:rPr kumimoji="0" lang="en-IN" altLang="en-US" sz="1600" b="0" i="0" u="none" strike="noStrike" kern="0" cap="none" spc="0" normalizeH="0" baseline="0" noProof="0" dirty="0">
+                <a:ln>
+                  <a:noFill/>
+                </a:ln>
+                <a:solidFill>
+                  <a:schemeClr val="tx1"/>
+                </a:solidFill>
+                <a:effectLst/>
+                <a:uLnTx/>
+                <a:uFillTx/>
+                <a:latin typeface="Times New Roman" panose="02020503050405090304" pitchFamily="18" charset="0"/>
+                <a:ea typeface="+mn-ea"/>
+                <a:cs typeface="Times New Roman" panose="02020503050405090304" pitchFamily="18" charset="0"/>
+              </a:rPr>
+              <a:t> &amp; </a:t>
+            </a:r>
+            <a:r>
+              <a:rPr kumimoji="0" lang="en-IN" altLang="en-US" sz="1600" b="0" i="0" u="none" strike="noStrike" kern="0" cap="none" spc="0" normalizeH="0" baseline="0" noProof="0" dirty="0" err="1">
+                <a:ln>
+                  <a:noFill/>
+                </a:ln>
+                <a:solidFill>
+                  <a:schemeClr val="tx1"/>
+                </a:solidFill>
+                <a:effectLst/>
+                <a:uLnTx/>
+                <a:uFillTx/>
+                <a:latin typeface="Times New Roman" panose="02020503050405090304" pitchFamily="18" charset="0"/>
+                <a:ea typeface="+mn-ea"/>
+                <a:cs typeface="Times New Roman" panose="02020503050405090304" pitchFamily="18" charset="0"/>
+              </a:rPr>
+              <a:t>Tensorflow</a:t>
+            </a:r>
+            <a:r>
+              <a:rPr kumimoji="0" lang="en-IN" altLang="en-US" sz="1600" b="0" i="0" u="none" strike="noStrike" kern="0" cap="none" spc="0" normalizeH="0" baseline="0" noProof="0" dirty="0">
+                <a:ln>
+                  <a:noFill/>
+                </a:ln>
+                <a:solidFill>
+                  <a:schemeClr val="tx1"/>
+                </a:solidFill>
+                <a:effectLst/>
+                <a:uLnTx/>
+                <a:uFillTx/>
+                <a:latin typeface="Times New Roman" panose="02020503050405090304" pitchFamily="18" charset="0"/>
+                <a:ea typeface="+mn-ea"/>
+                <a:cs typeface="Times New Roman" panose="02020503050405090304" pitchFamily="18" charset="0"/>
+              </a:rPr>
+              <a:t>(2</a:t>
+            </a:r>
+            <a:r>
+              <a:rPr kumimoji="0" lang="en-IN" altLang="en-US" sz="1600" b="0" i="0" u="none" strike="noStrike" kern="0" cap="none" spc="0" normalizeH="0" baseline="30000" noProof="0" dirty="0">
+                <a:ln>
+                  <a:noFill/>
+                </a:ln>
+                <a:solidFill>
+                  <a:schemeClr val="tx1"/>
+                </a:solidFill>
+                <a:effectLst/>
+                <a:uLnTx/>
+                <a:uFillTx/>
+                <a:latin typeface="Times New Roman" panose="02020503050405090304" pitchFamily="18" charset="0"/>
+                <a:ea typeface="+mn-ea"/>
+                <a:cs typeface="Times New Roman" panose="02020503050405090304" pitchFamily="18" charset="0"/>
+              </a:rPr>
+              <a:t>nd</a:t>
+            </a:r>
+            <a:r>
+              <a:rPr kumimoji="0" lang="en-IN" altLang="en-US" sz="1600" b="0" i="0" u="none" strike="noStrike" kern="0" cap="none" spc="0" normalizeH="0" baseline="0" noProof="0" dirty="0">
+                <a:ln>
+                  <a:noFill/>
+                </a:ln>
+                <a:solidFill>
+                  <a:schemeClr val="tx1"/>
+                </a:solidFill>
+                <a:effectLst/>
+                <a:uLnTx/>
+                <a:uFillTx/>
+                <a:latin typeface="Times New Roman" panose="02020503050405090304" pitchFamily="18" charset="0"/>
+                <a:ea typeface="+mn-ea"/>
+                <a:cs typeface="Times New Roman" panose="02020503050405090304" pitchFamily="18" charset="0"/>
+              </a:rPr>
+              <a:t>-edition)</a:t>
+            </a:r>
+          </a:p>
+          <a:p>
+            <a:pPr marL="0" marR="0" lvl="0" indent="0" algn="just" defTabSz="914400" rtl="0" eaLnBrk="0" fontAlgn="base" latinLnBrk="0" hangingPunct="0">
+              <a:lnSpc>
+                <a:spcPct val="100000"/>
+              </a:lnSpc>
+              <a:spcBef>
+                <a:spcPct val="20000"/>
+              </a:spcBef>
+              <a:spcAft>
+                <a:spcPct val="0"/>
+              </a:spcAft>
+              <a:buClrTx/>
+              <a:buSzTx/>
+              <a:buFontTx/>
+              <a:buNone/>
+              <a:defRPr/>
+            </a:pPr>
+            <a:r>
+              <a:rPr lang="en-IN" altLang="en-US" sz="1600" dirty="0">
+                <a:latin typeface="Times New Roman" panose="02020503050405090304" pitchFamily="18" charset="0"/>
+                <a:cs typeface="Times New Roman" panose="02020503050405090304" pitchFamily="18" charset="0"/>
+              </a:rPr>
+              <a:t>	Author: </a:t>
+            </a:r>
+            <a:r>
+              <a:rPr lang="en-IN" altLang="en-US" sz="1600" dirty="0" err="1">
+                <a:latin typeface="Times New Roman" panose="02020503050405090304" pitchFamily="18" charset="0"/>
+                <a:cs typeface="Times New Roman" panose="02020503050405090304" pitchFamily="18" charset="0"/>
+              </a:rPr>
+              <a:t>Aurelion</a:t>
+            </a:r>
+            <a:r>
+              <a:rPr lang="en-IN" altLang="en-US" sz="1600" dirty="0">
+                <a:latin typeface="Times New Roman" panose="02020503050405090304" pitchFamily="18" charset="0"/>
+                <a:cs typeface="Times New Roman" panose="02020503050405090304" pitchFamily="18" charset="0"/>
+              </a:rPr>
+              <a:t> </a:t>
+            </a:r>
+            <a:r>
+              <a:rPr lang="en-IN" altLang="en-US" sz="1600" dirty="0" err="1">
+                <a:latin typeface="Times New Roman" panose="02020503050405090304" pitchFamily="18" charset="0"/>
+                <a:cs typeface="Times New Roman" panose="02020503050405090304" pitchFamily="18" charset="0"/>
+              </a:rPr>
+              <a:t>Geron</a:t>
+            </a:r>
+            <a:r>
+              <a:rPr lang="en-IN" altLang="en-US" sz="1600" dirty="0">
+                <a:latin typeface="Times New Roman" panose="02020503050405090304" pitchFamily="18" charset="0"/>
+                <a:cs typeface="Times New Roman" panose="02020503050405090304" pitchFamily="18" charset="0"/>
+              </a:rPr>
+              <a:t> published by : O’Reilly Media</a:t>
+            </a:r>
+            <a:endParaRPr kumimoji="0" lang="en-IN" altLang="en-US" sz="1600" b="0" i="0" u="none" strike="noStrike" kern="0" cap="none" spc="0" normalizeH="0" baseline="0" noProof="0" dirty="0">
+              <a:ln>
+                <a:noFill/>
+              </a:ln>
+              <a:solidFill>
+                <a:schemeClr val="tx1"/>
+              </a:solidFill>
+              <a:effectLst/>
+              <a:uLnTx/>
+              <a:uFillTx/>
+              <a:latin typeface="Times New Roman" panose="02020503050405090304" pitchFamily="18" charset="0"/>
+              <a:ea typeface="+mn-ea"/>
+              <a:cs typeface="Times New Roman" panose="02020503050405090304" pitchFamily="18" charset="0"/>
+            </a:endParaRPr>
           </a:p>
         </p:txBody>
       </p:sp>
@@ -8414,6 +8989,191 @@
               <a:ea typeface="+mn-ea"/>
               <a:cs typeface="Times New Roman" panose="02020503050405090304" pitchFamily="18" charset="0"/>
             </a:endParaRPr>
+          </a:p>
+        </p:txBody>
+      </p:sp>
+    </p:spTree>
+  </p:cSld>
+  <p:clrMapOvr>
+    <a:masterClrMapping/>
+  </p:clrMapOvr>
+</p:sld>
+</file>
+
+<file path=ppt/slides/slide20.xml><?xml version="1.0" encoding="utf-8"?>
+<p:sld xmlns:a="http://schemas.openxmlformats.org/drawingml/2006/main" xmlns:r="http://schemas.openxmlformats.org/officeDocument/2006/relationships" xmlns:p="http://schemas.openxmlformats.org/presentationml/2006/main">
+  <p:cSld>
+    <p:spTree>
+      <p:nvGrpSpPr>
+        <p:cNvPr id="1" name=""/>
+        <p:cNvGrpSpPr/>
+        <p:nvPr/>
+      </p:nvGrpSpPr>
+      <p:grpSpPr>
+        <a:xfrm>
+          <a:off x="0" y="0"/>
+          <a:ext cx="0" cy="0"/>
+          <a:chOff x="0" y="0"/>
+          <a:chExt cx="0" cy="0"/>
+        </a:xfrm>
+      </p:grpSpPr>
+      <p:sp>
+        <p:nvSpPr>
+          <p:cNvPr id="14338" name="Title 1"/>
+          <p:cNvSpPr>
+            <a:spLocks noGrp="1"/>
+          </p:cNvSpPr>
+          <p:nvPr>
+            <p:ph type="title"/>
+          </p:nvPr>
+        </p:nvSpPr>
+        <p:spPr>
+          <a:xfrm>
+            <a:off x="447675" y="2713038"/>
+            <a:ext cx="8229600" cy="639762"/>
+          </a:xfrm>
+          <a:ln/>
+        </p:spPr>
+        <p:txBody>
+          <a:bodyPr vert="horz" wrap="square" lIns="91440" tIns="45720" rIns="91440" bIns="45720" anchor="ctr"/>
+          <a:lstStyle/>
+          <a:p>
+            <a:r>
+              <a:rPr lang="en-IN" altLang="en-US" sz="9600" dirty="0">
+                <a:latin typeface="Times New Roman" panose="02020503050405090304" pitchFamily="18" charset="0"/>
+                <a:cs typeface="Times New Roman" panose="02020503050405090304" pitchFamily="18" charset="0"/>
+              </a:rPr>
+              <a:t>Thank You !!!</a:t>
+            </a:r>
+            <a:endParaRPr lang="en-IN" altLang="en-US" sz="6600" dirty="0">
+              <a:latin typeface="Times New Roman" panose="02020503050405090304" pitchFamily="18" charset="0"/>
+              <a:ea typeface="Times New Roman" panose="02020503050405090304" pitchFamily="18" charset="0"/>
+            </a:endParaRPr>
+          </a:p>
+        </p:txBody>
+      </p:sp>
+      <p:sp>
+        <p:nvSpPr>
+          <p:cNvPr id="14339" name="Slide Number Placeholder 3"/>
+          <p:cNvSpPr txBox="1">
+            <a:spLocks noGrp="1"/>
+          </p:cNvSpPr>
+          <p:nvPr>
+            <p:ph type="sldNum" sz="quarter" idx="4"/>
+          </p:nvPr>
+        </p:nvSpPr>
+        <p:spPr>
+          <a:ln/>
+        </p:spPr>
+        <p:txBody>
+          <a:bodyPr/>
+          <a:lstStyle>
+            <a:lvl1pPr marL="0" lvl="0" indent="0" algn="l" defTabSz="913130" rtl="0" eaLnBrk="0" fontAlgn="base" latinLnBrk="0" hangingPunct="0">
+              <a:lnSpc>
+                <a:spcPct val="100000"/>
+              </a:lnSpc>
+              <a:spcBef>
+                <a:spcPct val="0"/>
+              </a:spcBef>
+              <a:spcAft>
+                <a:spcPct val="0"/>
+              </a:spcAft>
+              <a:buNone/>
+              <a:defRPr sz="1800" b="0" i="0" u="none" kern="1200" baseline="0">
+                <a:solidFill>
+                  <a:schemeClr val="tx1"/>
+                </a:solidFill>
+                <a:latin typeface="Arial" panose="020B0604020202090204" pitchFamily="34" charset="0"/>
+              </a:defRPr>
+            </a:lvl1pPr>
+            <a:lvl2pPr marL="455930" lvl="1" indent="1270" algn="l" defTabSz="913130" rtl="0" eaLnBrk="0" fontAlgn="base" latinLnBrk="0" hangingPunct="0">
+              <a:lnSpc>
+                <a:spcPct val="100000"/>
+              </a:lnSpc>
+              <a:spcBef>
+                <a:spcPct val="0"/>
+              </a:spcBef>
+              <a:spcAft>
+                <a:spcPct val="0"/>
+              </a:spcAft>
+              <a:buNone/>
+              <a:defRPr b="0" i="0" u="none" kern="1200" baseline="0">
+                <a:solidFill>
+                  <a:schemeClr val="tx1"/>
+                </a:solidFill>
+                <a:latin typeface="Arial" panose="020B0604020202090204" pitchFamily="34" charset="0"/>
+                <a:ea typeface="+mn-ea"/>
+                <a:cs typeface="+mn-cs"/>
+              </a:defRPr>
+            </a:lvl2pPr>
+            <a:lvl3pPr marL="913130" lvl="2" indent="1270" algn="l" defTabSz="913130" rtl="0" eaLnBrk="0" fontAlgn="base" latinLnBrk="0" hangingPunct="0">
+              <a:lnSpc>
+                <a:spcPct val="100000"/>
+              </a:lnSpc>
+              <a:spcBef>
+                <a:spcPct val="0"/>
+              </a:spcBef>
+              <a:spcAft>
+                <a:spcPct val="0"/>
+              </a:spcAft>
+              <a:buNone/>
+              <a:defRPr b="0" i="0" u="none" kern="1200" baseline="0">
+                <a:solidFill>
+                  <a:schemeClr val="tx1"/>
+                </a:solidFill>
+                <a:latin typeface="Arial" panose="020B0604020202090204" pitchFamily="34" charset="0"/>
+                <a:ea typeface="+mn-ea"/>
+                <a:cs typeface="+mn-cs"/>
+              </a:defRPr>
+            </a:lvl3pPr>
+            <a:lvl4pPr marL="1370330" lvl="3" indent="1270" algn="l" defTabSz="913130" rtl="0" eaLnBrk="0" fontAlgn="base" latinLnBrk="0" hangingPunct="0">
+              <a:lnSpc>
+                <a:spcPct val="100000"/>
+              </a:lnSpc>
+              <a:spcBef>
+                <a:spcPct val="0"/>
+              </a:spcBef>
+              <a:spcAft>
+                <a:spcPct val="0"/>
+              </a:spcAft>
+              <a:buNone/>
+              <a:defRPr b="0" i="0" u="none" kern="1200" baseline="0">
+                <a:solidFill>
+                  <a:schemeClr val="tx1"/>
+                </a:solidFill>
+                <a:latin typeface="Arial" panose="020B0604020202090204" pitchFamily="34" charset="0"/>
+                <a:ea typeface="+mn-ea"/>
+                <a:cs typeface="+mn-cs"/>
+              </a:defRPr>
+            </a:lvl4pPr>
+            <a:lvl5pPr marL="1827530" lvl="4" indent="1270" algn="l" defTabSz="913130" rtl="0" eaLnBrk="0" fontAlgn="base" latinLnBrk="0" hangingPunct="0">
+              <a:lnSpc>
+                <a:spcPct val="100000"/>
+              </a:lnSpc>
+              <a:spcBef>
+                <a:spcPct val="0"/>
+              </a:spcBef>
+              <a:spcAft>
+                <a:spcPct val="0"/>
+              </a:spcAft>
+              <a:buNone/>
+              <a:defRPr b="0" i="0" u="none" kern="1200" baseline="0">
+                <a:solidFill>
+                  <a:schemeClr val="tx1"/>
+                </a:solidFill>
+                <a:latin typeface="Arial" panose="020B0604020202090204" pitchFamily="34" charset="0"/>
+                <a:ea typeface="+mn-ea"/>
+                <a:cs typeface="+mn-cs"/>
+              </a:defRPr>
+            </a:lvl5pPr>
+          </a:lstStyle>
+          <a:p>
+            <a:pPr lvl="0" algn="r" eaLnBrk="1" hangingPunct="1"/>
+            <a:fld id="{9A0DB2DC-4C9A-4742-B13C-FB6460FD3503}" type="slidenum">
+              <a:rPr lang="en-US" altLang="en-US" sz="1400" dirty="0"/>
+              <a:t>20</a:t>
+            </a:fld>
+            <a:endParaRPr lang="en-US" altLang="en-US" sz="1400" dirty="0"/>
           </a:p>
         </p:txBody>
       </p:sp>
